--- a/ppt 16-9/0711.求主给我一颗心.pptx
+++ b/ppt 16-9/0711.求主给我一颗心.pptx
@@ -129,7 +129,7 @@
           <p:cNvPr id="2" name="标题 1">
             <a:extLst>
               <a:ext uri="{FF2B5EF4-FFF2-40B4-BE49-F238E27FC236}">
-                <a16:creationId xmlns:a16="http://schemas.microsoft.com/office/drawing/2014/main" id="{84AACEAC-2DCA-60B1-E296-2DBC3C0EE595}"/>
+                <a16:creationId xmlns:a16="http://schemas.microsoft.com/office/drawing/2014/main" id="{B5D4C23C-DA7B-5DAC-5DA4-AE300B38C99C}"/>
               </a:ext>
             </a:extLst>
           </p:cNvPr>
@@ -166,7 +166,7 @@
           <p:cNvPr id="3" name="副标题 2">
             <a:extLst>
               <a:ext uri="{FF2B5EF4-FFF2-40B4-BE49-F238E27FC236}">
-                <a16:creationId xmlns:a16="http://schemas.microsoft.com/office/drawing/2014/main" id="{BB17AF62-79C5-37BC-82CA-7F2CCDDFDA8A}"/>
+                <a16:creationId xmlns:a16="http://schemas.microsoft.com/office/drawing/2014/main" id="{2087F154-5FDC-AD18-9FD3-2723971F47F8}"/>
               </a:ext>
             </a:extLst>
           </p:cNvPr>
@@ -236,7 +236,7 @@
           <p:cNvPr id="4" name="日期占位符 3">
             <a:extLst>
               <a:ext uri="{FF2B5EF4-FFF2-40B4-BE49-F238E27FC236}">
-                <a16:creationId xmlns:a16="http://schemas.microsoft.com/office/drawing/2014/main" id="{563E81D7-1CCE-3ED3-DECD-AC06C42948EF}"/>
+                <a16:creationId xmlns:a16="http://schemas.microsoft.com/office/drawing/2014/main" id="{B20ACC62-7B7D-AE4E-DA53-E96F77F67E47}"/>
               </a:ext>
             </a:extLst>
           </p:cNvPr>
@@ -252,7 +252,7 @@
           <a:bodyPr/>
           <a:lstStyle/>
           <a:p>
-            <a:fld id="{40B11208-B599-44D3-9F5C-B793E60D9BD8}" type="datetimeFigureOut">
+            <a:fld id="{EDCA2B18-545A-4566-B6DB-8EDD2D01E24B}" type="datetimeFigureOut">
               <a:rPr lang="zh-CN" altLang="en-US" smtClean="0"/>
               <a:t>2024/3/10</a:t>
             </a:fld>
@@ -265,7 +265,7 @@
           <p:cNvPr id="5" name="页脚占位符 4">
             <a:extLst>
               <a:ext uri="{FF2B5EF4-FFF2-40B4-BE49-F238E27FC236}">
-                <a16:creationId xmlns:a16="http://schemas.microsoft.com/office/drawing/2014/main" id="{96EBD34E-FD9E-7FD2-E0B8-CCE64B224B8B}"/>
+                <a16:creationId xmlns:a16="http://schemas.microsoft.com/office/drawing/2014/main" id="{E256AD62-2FBA-FD0E-4140-F419BE1050E1}"/>
               </a:ext>
             </a:extLst>
           </p:cNvPr>
@@ -290,7 +290,7 @@
           <p:cNvPr id="6" name="灯片编号占位符 5">
             <a:extLst>
               <a:ext uri="{FF2B5EF4-FFF2-40B4-BE49-F238E27FC236}">
-                <a16:creationId xmlns:a16="http://schemas.microsoft.com/office/drawing/2014/main" id="{BFCA575B-D955-0208-4946-E6B0E03B1B8B}"/>
+                <a16:creationId xmlns:a16="http://schemas.microsoft.com/office/drawing/2014/main" id="{7A25ED41-B995-75C5-685A-25AD7A5897C1}"/>
               </a:ext>
             </a:extLst>
           </p:cNvPr>
@@ -306,7 +306,7 @@
           <a:bodyPr/>
           <a:lstStyle/>
           <a:p>
-            <a:fld id="{DCA26470-E71E-4F92-86AB-E68CF02ED688}" type="slidenum">
+            <a:fld id="{5E380DFC-8893-4333-8636-956214A3AFF7}" type="slidenum">
               <a:rPr lang="zh-CN" altLang="en-US" smtClean="0"/>
               <a:t>‹#›</a:t>
             </a:fld>
@@ -317,7 +317,7 @@
     </p:spTree>
     <p:extLst>
       <p:ext uri="{BB962C8B-B14F-4D97-AF65-F5344CB8AC3E}">
-        <p14:creationId xmlns:p14="http://schemas.microsoft.com/office/powerpoint/2010/main" val="285797027"/>
+        <p14:creationId xmlns:p14="http://schemas.microsoft.com/office/powerpoint/2010/main" val="2723333612"/>
       </p:ext>
     </p:extLst>
   </p:cSld>
@@ -349,7 +349,7 @@
           <p:cNvPr id="2" name="标题 1">
             <a:extLst>
               <a:ext uri="{FF2B5EF4-FFF2-40B4-BE49-F238E27FC236}">
-                <a16:creationId xmlns:a16="http://schemas.microsoft.com/office/drawing/2014/main" id="{F818A3D5-B314-B513-32F9-4109B8656FDC}"/>
+                <a16:creationId xmlns:a16="http://schemas.microsoft.com/office/drawing/2014/main" id="{B4A94D46-0F99-04F8-E915-1C20CB66EC05}"/>
               </a:ext>
             </a:extLst>
           </p:cNvPr>
@@ -377,7 +377,7 @@
           <p:cNvPr id="3" name="竖排文字占位符 2">
             <a:extLst>
               <a:ext uri="{FF2B5EF4-FFF2-40B4-BE49-F238E27FC236}">
-                <a16:creationId xmlns:a16="http://schemas.microsoft.com/office/drawing/2014/main" id="{C9E35AFE-C531-6A3A-A6F8-2A12D0EDF70C}"/>
+                <a16:creationId xmlns:a16="http://schemas.microsoft.com/office/drawing/2014/main" id="{BBAD81DE-8050-88C7-3CB0-D6478AD36A42}"/>
               </a:ext>
             </a:extLst>
           </p:cNvPr>
@@ -434,7 +434,7 @@
           <p:cNvPr id="4" name="日期占位符 3">
             <a:extLst>
               <a:ext uri="{FF2B5EF4-FFF2-40B4-BE49-F238E27FC236}">
-                <a16:creationId xmlns:a16="http://schemas.microsoft.com/office/drawing/2014/main" id="{FC6F2AA3-E578-AE46-14A5-CA106CD80B63}"/>
+                <a16:creationId xmlns:a16="http://schemas.microsoft.com/office/drawing/2014/main" id="{D5DC9192-1282-5806-5A09-8D55163EACC6}"/>
               </a:ext>
             </a:extLst>
           </p:cNvPr>
@@ -450,7 +450,7 @@
           <a:bodyPr/>
           <a:lstStyle/>
           <a:p>
-            <a:fld id="{40B11208-B599-44D3-9F5C-B793E60D9BD8}" type="datetimeFigureOut">
+            <a:fld id="{EDCA2B18-545A-4566-B6DB-8EDD2D01E24B}" type="datetimeFigureOut">
               <a:rPr lang="zh-CN" altLang="en-US" smtClean="0"/>
               <a:t>2024/3/10</a:t>
             </a:fld>
@@ -463,7 +463,7 @@
           <p:cNvPr id="5" name="页脚占位符 4">
             <a:extLst>
               <a:ext uri="{FF2B5EF4-FFF2-40B4-BE49-F238E27FC236}">
-                <a16:creationId xmlns:a16="http://schemas.microsoft.com/office/drawing/2014/main" id="{F8528C16-B746-6B44-F3F8-A4C8290BA5E4}"/>
+                <a16:creationId xmlns:a16="http://schemas.microsoft.com/office/drawing/2014/main" id="{AA65FD10-9A28-AB51-7536-8140A767A8F7}"/>
               </a:ext>
             </a:extLst>
           </p:cNvPr>
@@ -488,7 +488,7 @@
           <p:cNvPr id="6" name="灯片编号占位符 5">
             <a:extLst>
               <a:ext uri="{FF2B5EF4-FFF2-40B4-BE49-F238E27FC236}">
-                <a16:creationId xmlns:a16="http://schemas.microsoft.com/office/drawing/2014/main" id="{F16DBA1C-3A5B-CDD8-D87B-C2A463A2BDBB}"/>
+                <a16:creationId xmlns:a16="http://schemas.microsoft.com/office/drawing/2014/main" id="{9B6524D8-753A-24E6-3004-6A236CADEAA6}"/>
               </a:ext>
             </a:extLst>
           </p:cNvPr>
@@ -504,7 +504,7 @@
           <a:bodyPr/>
           <a:lstStyle/>
           <a:p>
-            <a:fld id="{DCA26470-E71E-4F92-86AB-E68CF02ED688}" type="slidenum">
+            <a:fld id="{5E380DFC-8893-4333-8636-956214A3AFF7}" type="slidenum">
               <a:rPr lang="zh-CN" altLang="en-US" smtClean="0"/>
               <a:t>‹#›</a:t>
             </a:fld>
@@ -515,7 +515,7 @@
     </p:spTree>
     <p:extLst>
       <p:ext uri="{BB962C8B-B14F-4D97-AF65-F5344CB8AC3E}">
-        <p14:creationId xmlns:p14="http://schemas.microsoft.com/office/powerpoint/2010/main" val="2679523503"/>
+        <p14:creationId xmlns:p14="http://schemas.microsoft.com/office/powerpoint/2010/main" val="2225909183"/>
       </p:ext>
     </p:extLst>
   </p:cSld>
@@ -547,7 +547,7 @@
           <p:cNvPr id="2" name="竖排标题 1">
             <a:extLst>
               <a:ext uri="{FF2B5EF4-FFF2-40B4-BE49-F238E27FC236}">
-                <a16:creationId xmlns:a16="http://schemas.microsoft.com/office/drawing/2014/main" id="{CCC89067-39FC-3389-86C4-36BBFD0DF1D6}"/>
+                <a16:creationId xmlns:a16="http://schemas.microsoft.com/office/drawing/2014/main" id="{DFDF9B5C-C5C0-0254-EA32-F0541DC6459D}"/>
               </a:ext>
             </a:extLst>
           </p:cNvPr>
@@ -580,7 +580,7 @@
           <p:cNvPr id="3" name="竖排文字占位符 2">
             <a:extLst>
               <a:ext uri="{FF2B5EF4-FFF2-40B4-BE49-F238E27FC236}">
-                <a16:creationId xmlns:a16="http://schemas.microsoft.com/office/drawing/2014/main" id="{855962CF-5001-F497-1D34-65EA367DCEBA}"/>
+                <a16:creationId xmlns:a16="http://schemas.microsoft.com/office/drawing/2014/main" id="{3D7E8EED-6715-87C2-7FF7-450F7E2DFDEB}"/>
               </a:ext>
             </a:extLst>
           </p:cNvPr>
@@ -642,7 +642,7 @@
           <p:cNvPr id="4" name="日期占位符 3">
             <a:extLst>
               <a:ext uri="{FF2B5EF4-FFF2-40B4-BE49-F238E27FC236}">
-                <a16:creationId xmlns:a16="http://schemas.microsoft.com/office/drawing/2014/main" id="{A19CC4D7-2E52-0056-5882-A492BFDAE783}"/>
+                <a16:creationId xmlns:a16="http://schemas.microsoft.com/office/drawing/2014/main" id="{0FBD2BEC-E3D2-BDB7-20C4-3D84E3E5EB61}"/>
               </a:ext>
             </a:extLst>
           </p:cNvPr>
@@ -658,7 +658,7 @@
           <a:bodyPr/>
           <a:lstStyle/>
           <a:p>
-            <a:fld id="{40B11208-B599-44D3-9F5C-B793E60D9BD8}" type="datetimeFigureOut">
+            <a:fld id="{EDCA2B18-545A-4566-B6DB-8EDD2D01E24B}" type="datetimeFigureOut">
               <a:rPr lang="zh-CN" altLang="en-US" smtClean="0"/>
               <a:t>2024/3/10</a:t>
             </a:fld>
@@ -671,7 +671,7 @@
           <p:cNvPr id="5" name="页脚占位符 4">
             <a:extLst>
               <a:ext uri="{FF2B5EF4-FFF2-40B4-BE49-F238E27FC236}">
-                <a16:creationId xmlns:a16="http://schemas.microsoft.com/office/drawing/2014/main" id="{3B1EAC30-D58C-1245-8324-748B26144B54}"/>
+                <a16:creationId xmlns:a16="http://schemas.microsoft.com/office/drawing/2014/main" id="{21A45554-DAB3-37D5-73BD-B9C132E4AD07}"/>
               </a:ext>
             </a:extLst>
           </p:cNvPr>
@@ -696,7 +696,7 @@
           <p:cNvPr id="6" name="灯片编号占位符 5">
             <a:extLst>
               <a:ext uri="{FF2B5EF4-FFF2-40B4-BE49-F238E27FC236}">
-                <a16:creationId xmlns:a16="http://schemas.microsoft.com/office/drawing/2014/main" id="{8A8BBF2F-ADA6-3B8C-0DD7-3825B1601FB0}"/>
+                <a16:creationId xmlns:a16="http://schemas.microsoft.com/office/drawing/2014/main" id="{697F36C8-BE73-10A7-8FAD-4295DD157B84}"/>
               </a:ext>
             </a:extLst>
           </p:cNvPr>
@@ -712,7 +712,7 @@
           <a:bodyPr/>
           <a:lstStyle/>
           <a:p>
-            <a:fld id="{DCA26470-E71E-4F92-86AB-E68CF02ED688}" type="slidenum">
+            <a:fld id="{5E380DFC-8893-4333-8636-956214A3AFF7}" type="slidenum">
               <a:rPr lang="zh-CN" altLang="en-US" smtClean="0"/>
               <a:t>‹#›</a:t>
             </a:fld>
@@ -723,7 +723,7 @@
     </p:spTree>
     <p:extLst>
       <p:ext uri="{BB962C8B-B14F-4D97-AF65-F5344CB8AC3E}">
-        <p14:creationId xmlns:p14="http://schemas.microsoft.com/office/powerpoint/2010/main" val="2575211232"/>
+        <p14:creationId xmlns:p14="http://schemas.microsoft.com/office/powerpoint/2010/main" val="1993356228"/>
       </p:ext>
     </p:extLst>
   </p:cSld>
@@ -755,7 +755,7 @@
           <p:cNvPr id="2" name="标题 1">
             <a:extLst>
               <a:ext uri="{FF2B5EF4-FFF2-40B4-BE49-F238E27FC236}">
-                <a16:creationId xmlns:a16="http://schemas.microsoft.com/office/drawing/2014/main" id="{1AB41C05-C3B0-49C0-CDD0-3F397A075ECD}"/>
+                <a16:creationId xmlns:a16="http://schemas.microsoft.com/office/drawing/2014/main" id="{FFBFB7C3-D083-ABC4-E810-43A505009CBE}"/>
               </a:ext>
             </a:extLst>
           </p:cNvPr>
@@ -783,7 +783,7 @@
           <p:cNvPr id="3" name="内容占位符 2">
             <a:extLst>
               <a:ext uri="{FF2B5EF4-FFF2-40B4-BE49-F238E27FC236}">
-                <a16:creationId xmlns:a16="http://schemas.microsoft.com/office/drawing/2014/main" id="{DB34B6E7-702D-E283-EECB-49DE1215A766}"/>
+                <a16:creationId xmlns:a16="http://schemas.microsoft.com/office/drawing/2014/main" id="{016F6A73-34E9-2AED-66A0-2885C21612A3}"/>
               </a:ext>
             </a:extLst>
           </p:cNvPr>
@@ -840,7 +840,7 @@
           <p:cNvPr id="4" name="日期占位符 3">
             <a:extLst>
               <a:ext uri="{FF2B5EF4-FFF2-40B4-BE49-F238E27FC236}">
-                <a16:creationId xmlns:a16="http://schemas.microsoft.com/office/drawing/2014/main" id="{CF7985B2-C313-FBC4-A7BC-9BB4AA99C565}"/>
+                <a16:creationId xmlns:a16="http://schemas.microsoft.com/office/drawing/2014/main" id="{A52104D6-E856-2E6E-8574-36BEFCAA7380}"/>
               </a:ext>
             </a:extLst>
           </p:cNvPr>
@@ -856,7 +856,7 @@
           <a:bodyPr/>
           <a:lstStyle/>
           <a:p>
-            <a:fld id="{40B11208-B599-44D3-9F5C-B793E60D9BD8}" type="datetimeFigureOut">
+            <a:fld id="{EDCA2B18-545A-4566-B6DB-8EDD2D01E24B}" type="datetimeFigureOut">
               <a:rPr lang="zh-CN" altLang="en-US" smtClean="0"/>
               <a:t>2024/3/10</a:t>
             </a:fld>
@@ -869,7 +869,7 @@
           <p:cNvPr id="5" name="页脚占位符 4">
             <a:extLst>
               <a:ext uri="{FF2B5EF4-FFF2-40B4-BE49-F238E27FC236}">
-                <a16:creationId xmlns:a16="http://schemas.microsoft.com/office/drawing/2014/main" id="{DF9D2438-08B9-4DF2-E091-EE26669AAD31}"/>
+                <a16:creationId xmlns:a16="http://schemas.microsoft.com/office/drawing/2014/main" id="{03F573D1-FD2C-7D7F-952F-6FC5AE07AA36}"/>
               </a:ext>
             </a:extLst>
           </p:cNvPr>
@@ -894,7 +894,7 @@
           <p:cNvPr id="6" name="灯片编号占位符 5">
             <a:extLst>
               <a:ext uri="{FF2B5EF4-FFF2-40B4-BE49-F238E27FC236}">
-                <a16:creationId xmlns:a16="http://schemas.microsoft.com/office/drawing/2014/main" id="{CF4919D6-F13A-354B-902A-565BA1F12589}"/>
+                <a16:creationId xmlns:a16="http://schemas.microsoft.com/office/drawing/2014/main" id="{FC8DEDBD-A44A-5D99-4FC2-BB08FDE90CE7}"/>
               </a:ext>
             </a:extLst>
           </p:cNvPr>
@@ -910,7 +910,7 @@
           <a:bodyPr/>
           <a:lstStyle/>
           <a:p>
-            <a:fld id="{DCA26470-E71E-4F92-86AB-E68CF02ED688}" type="slidenum">
+            <a:fld id="{5E380DFC-8893-4333-8636-956214A3AFF7}" type="slidenum">
               <a:rPr lang="zh-CN" altLang="en-US" smtClean="0"/>
               <a:t>‹#›</a:t>
             </a:fld>
@@ -921,7 +921,7 @@
     </p:spTree>
     <p:extLst>
       <p:ext uri="{BB962C8B-B14F-4D97-AF65-F5344CB8AC3E}">
-        <p14:creationId xmlns:p14="http://schemas.microsoft.com/office/powerpoint/2010/main" val="3365095566"/>
+        <p14:creationId xmlns:p14="http://schemas.microsoft.com/office/powerpoint/2010/main" val="1070516134"/>
       </p:ext>
     </p:extLst>
   </p:cSld>
@@ -953,7 +953,7 @@
           <p:cNvPr id="2" name="标题 1">
             <a:extLst>
               <a:ext uri="{FF2B5EF4-FFF2-40B4-BE49-F238E27FC236}">
-                <a16:creationId xmlns:a16="http://schemas.microsoft.com/office/drawing/2014/main" id="{C1FAABAB-7515-4ED6-3E7A-A7FDC741FFD7}"/>
+                <a16:creationId xmlns:a16="http://schemas.microsoft.com/office/drawing/2014/main" id="{6C4C3756-402D-7E6D-8A19-51F1632CFACC}"/>
               </a:ext>
             </a:extLst>
           </p:cNvPr>
@@ -990,7 +990,7 @@
           <p:cNvPr id="3" name="文本占位符 2">
             <a:extLst>
               <a:ext uri="{FF2B5EF4-FFF2-40B4-BE49-F238E27FC236}">
-                <a16:creationId xmlns:a16="http://schemas.microsoft.com/office/drawing/2014/main" id="{8282C39C-934F-3745-78D2-BC7452FF15B6}"/>
+                <a16:creationId xmlns:a16="http://schemas.microsoft.com/office/drawing/2014/main" id="{6B2D9D53-A536-FDAA-D0CE-7F2CD8EE0442}"/>
               </a:ext>
             </a:extLst>
           </p:cNvPr>
@@ -1115,7 +1115,7 @@
           <p:cNvPr id="4" name="日期占位符 3">
             <a:extLst>
               <a:ext uri="{FF2B5EF4-FFF2-40B4-BE49-F238E27FC236}">
-                <a16:creationId xmlns:a16="http://schemas.microsoft.com/office/drawing/2014/main" id="{4A60A244-6144-97E3-2C2C-ABACF605E4E7}"/>
+                <a16:creationId xmlns:a16="http://schemas.microsoft.com/office/drawing/2014/main" id="{BC52D915-3CD3-82D1-FA14-854B3D609FAE}"/>
               </a:ext>
             </a:extLst>
           </p:cNvPr>
@@ -1131,7 +1131,7 @@
           <a:bodyPr/>
           <a:lstStyle/>
           <a:p>
-            <a:fld id="{40B11208-B599-44D3-9F5C-B793E60D9BD8}" type="datetimeFigureOut">
+            <a:fld id="{EDCA2B18-545A-4566-B6DB-8EDD2D01E24B}" type="datetimeFigureOut">
               <a:rPr lang="zh-CN" altLang="en-US" smtClean="0"/>
               <a:t>2024/3/10</a:t>
             </a:fld>
@@ -1144,7 +1144,7 @@
           <p:cNvPr id="5" name="页脚占位符 4">
             <a:extLst>
               <a:ext uri="{FF2B5EF4-FFF2-40B4-BE49-F238E27FC236}">
-                <a16:creationId xmlns:a16="http://schemas.microsoft.com/office/drawing/2014/main" id="{1E6D7129-F910-FB9A-092B-4C9DC550CE33}"/>
+                <a16:creationId xmlns:a16="http://schemas.microsoft.com/office/drawing/2014/main" id="{3B71D698-B956-F6F5-5B52-DBA41B3F35AB}"/>
               </a:ext>
             </a:extLst>
           </p:cNvPr>
@@ -1169,7 +1169,7 @@
           <p:cNvPr id="6" name="灯片编号占位符 5">
             <a:extLst>
               <a:ext uri="{FF2B5EF4-FFF2-40B4-BE49-F238E27FC236}">
-                <a16:creationId xmlns:a16="http://schemas.microsoft.com/office/drawing/2014/main" id="{747E65F4-ED93-AD81-3CF9-C9D713479E59}"/>
+                <a16:creationId xmlns:a16="http://schemas.microsoft.com/office/drawing/2014/main" id="{0A19AD78-F4B3-08CE-C8E9-06DACFA52765}"/>
               </a:ext>
             </a:extLst>
           </p:cNvPr>
@@ -1185,7 +1185,7 @@
           <a:bodyPr/>
           <a:lstStyle/>
           <a:p>
-            <a:fld id="{DCA26470-E71E-4F92-86AB-E68CF02ED688}" type="slidenum">
+            <a:fld id="{5E380DFC-8893-4333-8636-956214A3AFF7}" type="slidenum">
               <a:rPr lang="zh-CN" altLang="en-US" smtClean="0"/>
               <a:t>‹#›</a:t>
             </a:fld>
@@ -1196,7 +1196,7 @@
     </p:spTree>
     <p:extLst>
       <p:ext uri="{BB962C8B-B14F-4D97-AF65-F5344CB8AC3E}">
-        <p14:creationId xmlns:p14="http://schemas.microsoft.com/office/powerpoint/2010/main" val="1198559497"/>
+        <p14:creationId xmlns:p14="http://schemas.microsoft.com/office/powerpoint/2010/main" val="3747692034"/>
       </p:ext>
     </p:extLst>
   </p:cSld>
@@ -1228,7 +1228,7 @@
           <p:cNvPr id="2" name="标题 1">
             <a:extLst>
               <a:ext uri="{FF2B5EF4-FFF2-40B4-BE49-F238E27FC236}">
-                <a16:creationId xmlns:a16="http://schemas.microsoft.com/office/drawing/2014/main" id="{753B8A5D-90DD-9957-4FD5-76B7163C4164}"/>
+                <a16:creationId xmlns:a16="http://schemas.microsoft.com/office/drawing/2014/main" id="{2A548054-D8DC-BEAF-F75E-36C7F6B577A5}"/>
               </a:ext>
             </a:extLst>
           </p:cNvPr>
@@ -1256,7 +1256,7 @@
           <p:cNvPr id="3" name="内容占位符 2">
             <a:extLst>
               <a:ext uri="{FF2B5EF4-FFF2-40B4-BE49-F238E27FC236}">
-                <a16:creationId xmlns:a16="http://schemas.microsoft.com/office/drawing/2014/main" id="{F47F0F3F-4EEF-ADED-0409-11D7F38D6AED}"/>
+                <a16:creationId xmlns:a16="http://schemas.microsoft.com/office/drawing/2014/main" id="{DB9ADF65-CA17-7903-185D-505E27A193A3}"/>
               </a:ext>
             </a:extLst>
           </p:cNvPr>
@@ -1318,7 +1318,7 @@
           <p:cNvPr id="4" name="内容占位符 3">
             <a:extLst>
               <a:ext uri="{FF2B5EF4-FFF2-40B4-BE49-F238E27FC236}">
-                <a16:creationId xmlns:a16="http://schemas.microsoft.com/office/drawing/2014/main" id="{580AF350-174D-7378-6414-62D4557FE526}"/>
+                <a16:creationId xmlns:a16="http://schemas.microsoft.com/office/drawing/2014/main" id="{C1244D8B-3EBE-6BA0-10AB-F83C9FB4E610}"/>
               </a:ext>
             </a:extLst>
           </p:cNvPr>
@@ -1380,7 +1380,7 @@
           <p:cNvPr id="5" name="日期占位符 4">
             <a:extLst>
               <a:ext uri="{FF2B5EF4-FFF2-40B4-BE49-F238E27FC236}">
-                <a16:creationId xmlns:a16="http://schemas.microsoft.com/office/drawing/2014/main" id="{B996B40C-F8BC-A26C-6F54-2F554418D3BE}"/>
+                <a16:creationId xmlns:a16="http://schemas.microsoft.com/office/drawing/2014/main" id="{F60CFCCE-1933-0C61-0DF4-4B64A0A16A19}"/>
               </a:ext>
             </a:extLst>
           </p:cNvPr>
@@ -1396,7 +1396,7 @@
           <a:bodyPr/>
           <a:lstStyle/>
           <a:p>
-            <a:fld id="{40B11208-B599-44D3-9F5C-B793E60D9BD8}" type="datetimeFigureOut">
+            <a:fld id="{EDCA2B18-545A-4566-B6DB-8EDD2D01E24B}" type="datetimeFigureOut">
               <a:rPr lang="zh-CN" altLang="en-US" smtClean="0"/>
               <a:t>2024/3/10</a:t>
             </a:fld>
@@ -1409,7 +1409,7 @@
           <p:cNvPr id="6" name="页脚占位符 5">
             <a:extLst>
               <a:ext uri="{FF2B5EF4-FFF2-40B4-BE49-F238E27FC236}">
-                <a16:creationId xmlns:a16="http://schemas.microsoft.com/office/drawing/2014/main" id="{7C203ADF-1C63-5B3D-76AB-7C550273FFF8}"/>
+                <a16:creationId xmlns:a16="http://schemas.microsoft.com/office/drawing/2014/main" id="{E8E4C303-A9B8-7FA3-9A0D-FF315DD1ACDA}"/>
               </a:ext>
             </a:extLst>
           </p:cNvPr>
@@ -1434,7 +1434,7 @@
           <p:cNvPr id="7" name="灯片编号占位符 6">
             <a:extLst>
               <a:ext uri="{FF2B5EF4-FFF2-40B4-BE49-F238E27FC236}">
-                <a16:creationId xmlns:a16="http://schemas.microsoft.com/office/drawing/2014/main" id="{9B1CCFCF-550F-BC4B-4C14-20C906E436D9}"/>
+                <a16:creationId xmlns:a16="http://schemas.microsoft.com/office/drawing/2014/main" id="{833AD9C4-6AF4-FF3A-5B83-A214A3D512BA}"/>
               </a:ext>
             </a:extLst>
           </p:cNvPr>
@@ -1450,7 +1450,7 @@
           <a:bodyPr/>
           <a:lstStyle/>
           <a:p>
-            <a:fld id="{DCA26470-E71E-4F92-86AB-E68CF02ED688}" type="slidenum">
+            <a:fld id="{5E380DFC-8893-4333-8636-956214A3AFF7}" type="slidenum">
               <a:rPr lang="zh-CN" altLang="en-US" smtClean="0"/>
               <a:t>‹#›</a:t>
             </a:fld>
@@ -1461,7 +1461,7 @@
     </p:spTree>
     <p:extLst>
       <p:ext uri="{BB962C8B-B14F-4D97-AF65-F5344CB8AC3E}">
-        <p14:creationId xmlns:p14="http://schemas.microsoft.com/office/powerpoint/2010/main" val="2737372929"/>
+        <p14:creationId xmlns:p14="http://schemas.microsoft.com/office/powerpoint/2010/main" val="3031865267"/>
       </p:ext>
     </p:extLst>
   </p:cSld>
@@ -1493,7 +1493,7 @@
           <p:cNvPr id="2" name="标题 1">
             <a:extLst>
               <a:ext uri="{FF2B5EF4-FFF2-40B4-BE49-F238E27FC236}">
-                <a16:creationId xmlns:a16="http://schemas.microsoft.com/office/drawing/2014/main" id="{DFD727E6-B3CD-90A2-402B-813CEDFBE431}"/>
+                <a16:creationId xmlns:a16="http://schemas.microsoft.com/office/drawing/2014/main" id="{5D9582EC-1AE1-57CA-8EEA-86DF78084A3D}"/>
               </a:ext>
             </a:extLst>
           </p:cNvPr>
@@ -1526,7 +1526,7 @@
           <p:cNvPr id="3" name="文本占位符 2">
             <a:extLst>
               <a:ext uri="{FF2B5EF4-FFF2-40B4-BE49-F238E27FC236}">
-                <a16:creationId xmlns:a16="http://schemas.microsoft.com/office/drawing/2014/main" id="{D4BB626D-BC2B-AE15-EFDC-EA0003B8899A}"/>
+                <a16:creationId xmlns:a16="http://schemas.microsoft.com/office/drawing/2014/main" id="{54A9476F-9363-4F4D-6089-62C064D0309B}"/>
               </a:ext>
             </a:extLst>
           </p:cNvPr>
@@ -1597,7 +1597,7 @@
           <p:cNvPr id="4" name="内容占位符 3">
             <a:extLst>
               <a:ext uri="{FF2B5EF4-FFF2-40B4-BE49-F238E27FC236}">
-                <a16:creationId xmlns:a16="http://schemas.microsoft.com/office/drawing/2014/main" id="{DD59C37A-1B65-D6A4-4AE2-505ADA60604A}"/>
+                <a16:creationId xmlns:a16="http://schemas.microsoft.com/office/drawing/2014/main" id="{46756AE6-C644-D596-D48F-111E083C5EBC}"/>
               </a:ext>
             </a:extLst>
           </p:cNvPr>
@@ -1659,7 +1659,7 @@
           <p:cNvPr id="5" name="文本占位符 4">
             <a:extLst>
               <a:ext uri="{FF2B5EF4-FFF2-40B4-BE49-F238E27FC236}">
-                <a16:creationId xmlns:a16="http://schemas.microsoft.com/office/drawing/2014/main" id="{85FC9337-8615-9CBA-244B-0448B53EB4E5}"/>
+                <a16:creationId xmlns:a16="http://schemas.microsoft.com/office/drawing/2014/main" id="{53A97B29-1AD8-35D2-2937-B45974F51F92}"/>
               </a:ext>
             </a:extLst>
           </p:cNvPr>
@@ -1730,7 +1730,7 @@
           <p:cNvPr id="6" name="内容占位符 5">
             <a:extLst>
               <a:ext uri="{FF2B5EF4-FFF2-40B4-BE49-F238E27FC236}">
-                <a16:creationId xmlns:a16="http://schemas.microsoft.com/office/drawing/2014/main" id="{443BCE2A-82AF-F708-DF88-B6F1B7C3EEFE}"/>
+                <a16:creationId xmlns:a16="http://schemas.microsoft.com/office/drawing/2014/main" id="{7B01BDFF-1258-E2CF-6B80-5E258F230EBB}"/>
               </a:ext>
             </a:extLst>
           </p:cNvPr>
@@ -1792,7 +1792,7 @@
           <p:cNvPr id="7" name="日期占位符 6">
             <a:extLst>
               <a:ext uri="{FF2B5EF4-FFF2-40B4-BE49-F238E27FC236}">
-                <a16:creationId xmlns:a16="http://schemas.microsoft.com/office/drawing/2014/main" id="{ECD3C253-3BBC-D51B-EA6D-502B4F4603E1}"/>
+                <a16:creationId xmlns:a16="http://schemas.microsoft.com/office/drawing/2014/main" id="{5BCA3B73-2CF8-8A5B-07E0-270ABB08265B}"/>
               </a:ext>
             </a:extLst>
           </p:cNvPr>
@@ -1808,7 +1808,7 @@
           <a:bodyPr/>
           <a:lstStyle/>
           <a:p>
-            <a:fld id="{40B11208-B599-44D3-9F5C-B793E60D9BD8}" type="datetimeFigureOut">
+            <a:fld id="{EDCA2B18-545A-4566-B6DB-8EDD2D01E24B}" type="datetimeFigureOut">
               <a:rPr lang="zh-CN" altLang="en-US" smtClean="0"/>
               <a:t>2024/3/10</a:t>
             </a:fld>
@@ -1821,7 +1821,7 @@
           <p:cNvPr id="8" name="页脚占位符 7">
             <a:extLst>
               <a:ext uri="{FF2B5EF4-FFF2-40B4-BE49-F238E27FC236}">
-                <a16:creationId xmlns:a16="http://schemas.microsoft.com/office/drawing/2014/main" id="{8FEC3377-274B-EBA2-210B-E5A6D48C8271}"/>
+                <a16:creationId xmlns:a16="http://schemas.microsoft.com/office/drawing/2014/main" id="{1A4417DC-2636-46F2-ED07-04F439F536CF}"/>
               </a:ext>
             </a:extLst>
           </p:cNvPr>
@@ -1846,7 +1846,7 @@
           <p:cNvPr id="9" name="灯片编号占位符 8">
             <a:extLst>
               <a:ext uri="{FF2B5EF4-FFF2-40B4-BE49-F238E27FC236}">
-                <a16:creationId xmlns:a16="http://schemas.microsoft.com/office/drawing/2014/main" id="{0DC9BBCD-74C6-9A0D-7D7D-9DD8E081EAD0}"/>
+                <a16:creationId xmlns:a16="http://schemas.microsoft.com/office/drawing/2014/main" id="{5EF5B52C-5A64-590A-F3DF-0EEC20B2D902}"/>
               </a:ext>
             </a:extLst>
           </p:cNvPr>
@@ -1862,7 +1862,7 @@
           <a:bodyPr/>
           <a:lstStyle/>
           <a:p>
-            <a:fld id="{DCA26470-E71E-4F92-86AB-E68CF02ED688}" type="slidenum">
+            <a:fld id="{5E380DFC-8893-4333-8636-956214A3AFF7}" type="slidenum">
               <a:rPr lang="zh-CN" altLang="en-US" smtClean="0"/>
               <a:t>‹#›</a:t>
             </a:fld>
@@ -1873,7 +1873,7 @@
     </p:spTree>
     <p:extLst>
       <p:ext uri="{BB962C8B-B14F-4D97-AF65-F5344CB8AC3E}">
-        <p14:creationId xmlns:p14="http://schemas.microsoft.com/office/powerpoint/2010/main" val="927227190"/>
+        <p14:creationId xmlns:p14="http://schemas.microsoft.com/office/powerpoint/2010/main" val="4288925045"/>
       </p:ext>
     </p:extLst>
   </p:cSld>
@@ -1905,7 +1905,7 @@
           <p:cNvPr id="2" name="标题 1">
             <a:extLst>
               <a:ext uri="{FF2B5EF4-FFF2-40B4-BE49-F238E27FC236}">
-                <a16:creationId xmlns:a16="http://schemas.microsoft.com/office/drawing/2014/main" id="{0C5E4AFA-6279-2426-8EF0-B40AB7311E97}"/>
+                <a16:creationId xmlns:a16="http://schemas.microsoft.com/office/drawing/2014/main" id="{48ADFCE5-9A99-125F-D29C-65C7ECACB4F6}"/>
               </a:ext>
             </a:extLst>
           </p:cNvPr>
@@ -1933,7 +1933,7 @@
           <p:cNvPr id="3" name="日期占位符 2">
             <a:extLst>
               <a:ext uri="{FF2B5EF4-FFF2-40B4-BE49-F238E27FC236}">
-                <a16:creationId xmlns:a16="http://schemas.microsoft.com/office/drawing/2014/main" id="{8314CA74-ED72-1D20-11C9-4AA701C9CCBC}"/>
+                <a16:creationId xmlns:a16="http://schemas.microsoft.com/office/drawing/2014/main" id="{EB6292CA-FFFD-A199-5CC2-A589EE3E4B31}"/>
               </a:ext>
             </a:extLst>
           </p:cNvPr>
@@ -1949,7 +1949,7 @@
           <a:bodyPr/>
           <a:lstStyle/>
           <a:p>
-            <a:fld id="{40B11208-B599-44D3-9F5C-B793E60D9BD8}" type="datetimeFigureOut">
+            <a:fld id="{EDCA2B18-545A-4566-B6DB-8EDD2D01E24B}" type="datetimeFigureOut">
               <a:rPr lang="zh-CN" altLang="en-US" smtClean="0"/>
               <a:t>2024/3/10</a:t>
             </a:fld>
@@ -1962,7 +1962,7 @@
           <p:cNvPr id="4" name="页脚占位符 3">
             <a:extLst>
               <a:ext uri="{FF2B5EF4-FFF2-40B4-BE49-F238E27FC236}">
-                <a16:creationId xmlns:a16="http://schemas.microsoft.com/office/drawing/2014/main" id="{FF6CA974-CB54-B5FB-4061-EF8394EF7CB5}"/>
+                <a16:creationId xmlns:a16="http://schemas.microsoft.com/office/drawing/2014/main" id="{FFE30691-E8EC-D8E9-05D2-7C843D272B1C}"/>
               </a:ext>
             </a:extLst>
           </p:cNvPr>
@@ -1987,7 +1987,7 @@
           <p:cNvPr id="5" name="灯片编号占位符 4">
             <a:extLst>
               <a:ext uri="{FF2B5EF4-FFF2-40B4-BE49-F238E27FC236}">
-                <a16:creationId xmlns:a16="http://schemas.microsoft.com/office/drawing/2014/main" id="{775C5291-E1A8-7C17-856A-F5D13CC73061}"/>
+                <a16:creationId xmlns:a16="http://schemas.microsoft.com/office/drawing/2014/main" id="{5A943C34-3D89-A149-EA30-6055B11C2899}"/>
               </a:ext>
             </a:extLst>
           </p:cNvPr>
@@ -2003,7 +2003,7 @@
           <a:bodyPr/>
           <a:lstStyle/>
           <a:p>
-            <a:fld id="{DCA26470-E71E-4F92-86AB-E68CF02ED688}" type="slidenum">
+            <a:fld id="{5E380DFC-8893-4333-8636-956214A3AFF7}" type="slidenum">
               <a:rPr lang="zh-CN" altLang="en-US" smtClean="0"/>
               <a:t>‹#›</a:t>
             </a:fld>
@@ -2014,7 +2014,7 @@
     </p:spTree>
     <p:extLst>
       <p:ext uri="{BB962C8B-B14F-4D97-AF65-F5344CB8AC3E}">
-        <p14:creationId xmlns:p14="http://schemas.microsoft.com/office/powerpoint/2010/main" val="3029144252"/>
+        <p14:creationId xmlns:p14="http://schemas.microsoft.com/office/powerpoint/2010/main" val="865219383"/>
       </p:ext>
     </p:extLst>
   </p:cSld>
@@ -2046,7 +2046,7 @@
           <p:cNvPr id="2" name="日期占位符 1">
             <a:extLst>
               <a:ext uri="{FF2B5EF4-FFF2-40B4-BE49-F238E27FC236}">
-                <a16:creationId xmlns:a16="http://schemas.microsoft.com/office/drawing/2014/main" id="{D07CEAE4-6B3D-A7BC-0189-93EB3A9FE014}"/>
+                <a16:creationId xmlns:a16="http://schemas.microsoft.com/office/drawing/2014/main" id="{84B2B424-A0D2-F4C5-AC1D-BE61C373839F}"/>
               </a:ext>
             </a:extLst>
           </p:cNvPr>
@@ -2062,7 +2062,7 @@
           <a:bodyPr/>
           <a:lstStyle/>
           <a:p>
-            <a:fld id="{40B11208-B599-44D3-9F5C-B793E60D9BD8}" type="datetimeFigureOut">
+            <a:fld id="{EDCA2B18-545A-4566-B6DB-8EDD2D01E24B}" type="datetimeFigureOut">
               <a:rPr lang="zh-CN" altLang="en-US" smtClean="0"/>
               <a:t>2024/3/10</a:t>
             </a:fld>
@@ -2075,7 +2075,7 @@
           <p:cNvPr id="3" name="页脚占位符 2">
             <a:extLst>
               <a:ext uri="{FF2B5EF4-FFF2-40B4-BE49-F238E27FC236}">
-                <a16:creationId xmlns:a16="http://schemas.microsoft.com/office/drawing/2014/main" id="{FBFC8E98-4B29-3DD1-691C-B710BA3CC277}"/>
+                <a16:creationId xmlns:a16="http://schemas.microsoft.com/office/drawing/2014/main" id="{8AFF21BD-BDDF-F800-E48C-ECCAC34C5052}"/>
               </a:ext>
             </a:extLst>
           </p:cNvPr>
@@ -2100,7 +2100,7 @@
           <p:cNvPr id="4" name="灯片编号占位符 3">
             <a:extLst>
               <a:ext uri="{FF2B5EF4-FFF2-40B4-BE49-F238E27FC236}">
-                <a16:creationId xmlns:a16="http://schemas.microsoft.com/office/drawing/2014/main" id="{B1E31E13-AC69-5E78-6E4D-C29226E0CA8D}"/>
+                <a16:creationId xmlns:a16="http://schemas.microsoft.com/office/drawing/2014/main" id="{686066B6-3013-FF1C-46F0-730DF6CDAC78}"/>
               </a:ext>
             </a:extLst>
           </p:cNvPr>
@@ -2116,7 +2116,7 @@
           <a:bodyPr/>
           <a:lstStyle/>
           <a:p>
-            <a:fld id="{DCA26470-E71E-4F92-86AB-E68CF02ED688}" type="slidenum">
+            <a:fld id="{5E380DFC-8893-4333-8636-956214A3AFF7}" type="slidenum">
               <a:rPr lang="zh-CN" altLang="en-US" smtClean="0"/>
               <a:t>‹#›</a:t>
             </a:fld>
@@ -2127,7 +2127,7 @@
     </p:spTree>
     <p:extLst>
       <p:ext uri="{BB962C8B-B14F-4D97-AF65-F5344CB8AC3E}">
-        <p14:creationId xmlns:p14="http://schemas.microsoft.com/office/powerpoint/2010/main" val="1772785604"/>
+        <p14:creationId xmlns:p14="http://schemas.microsoft.com/office/powerpoint/2010/main" val="1169097039"/>
       </p:ext>
     </p:extLst>
   </p:cSld>
@@ -2159,7 +2159,7 @@
           <p:cNvPr id="2" name="标题 1">
             <a:extLst>
               <a:ext uri="{FF2B5EF4-FFF2-40B4-BE49-F238E27FC236}">
-                <a16:creationId xmlns:a16="http://schemas.microsoft.com/office/drawing/2014/main" id="{DE4BA2A4-DB84-C432-5B71-7EBA8E61587C}"/>
+                <a16:creationId xmlns:a16="http://schemas.microsoft.com/office/drawing/2014/main" id="{F779BE97-E102-F017-BA95-9180C7288E5A}"/>
               </a:ext>
             </a:extLst>
           </p:cNvPr>
@@ -2196,7 +2196,7 @@
           <p:cNvPr id="3" name="内容占位符 2">
             <a:extLst>
               <a:ext uri="{FF2B5EF4-FFF2-40B4-BE49-F238E27FC236}">
-                <a16:creationId xmlns:a16="http://schemas.microsoft.com/office/drawing/2014/main" id="{383C2F8F-4C71-7C8C-51DA-26BA7B81B840}"/>
+                <a16:creationId xmlns:a16="http://schemas.microsoft.com/office/drawing/2014/main" id="{44E78CAE-D597-4CFF-5A23-E990CD6CA3DB}"/>
               </a:ext>
             </a:extLst>
           </p:cNvPr>
@@ -2286,7 +2286,7 @@
           <p:cNvPr id="4" name="文本占位符 3">
             <a:extLst>
               <a:ext uri="{FF2B5EF4-FFF2-40B4-BE49-F238E27FC236}">
-                <a16:creationId xmlns:a16="http://schemas.microsoft.com/office/drawing/2014/main" id="{256E066F-79FF-DC99-EE64-C26D8FAEDA59}"/>
+                <a16:creationId xmlns:a16="http://schemas.microsoft.com/office/drawing/2014/main" id="{3E77B44D-CD8D-853F-78D3-3AB65C36D2EF}"/>
               </a:ext>
             </a:extLst>
           </p:cNvPr>
@@ -2357,7 +2357,7 @@
           <p:cNvPr id="5" name="日期占位符 4">
             <a:extLst>
               <a:ext uri="{FF2B5EF4-FFF2-40B4-BE49-F238E27FC236}">
-                <a16:creationId xmlns:a16="http://schemas.microsoft.com/office/drawing/2014/main" id="{5B4594FA-BA9C-1441-596A-F21CE9B93A5D}"/>
+                <a16:creationId xmlns:a16="http://schemas.microsoft.com/office/drawing/2014/main" id="{332E58D9-A7D1-96D8-8215-9F3E172FC067}"/>
               </a:ext>
             </a:extLst>
           </p:cNvPr>
@@ -2373,7 +2373,7 @@
           <a:bodyPr/>
           <a:lstStyle/>
           <a:p>
-            <a:fld id="{40B11208-B599-44D3-9F5C-B793E60D9BD8}" type="datetimeFigureOut">
+            <a:fld id="{EDCA2B18-545A-4566-B6DB-8EDD2D01E24B}" type="datetimeFigureOut">
               <a:rPr lang="zh-CN" altLang="en-US" smtClean="0"/>
               <a:t>2024/3/10</a:t>
             </a:fld>
@@ -2386,7 +2386,7 @@
           <p:cNvPr id="6" name="页脚占位符 5">
             <a:extLst>
               <a:ext uri="{FF2B5EF4-FFF2-40B4-BE49-F238E27FC236}">
-                <a16:creationId xmlns:a16="http://schemas.microsoft.com/office/drawing/2014/main" id="{5B6F5FD2-4320-FC61-1D6F-E093CA3A9D53}"/>
+                <a16:creationId xmlns:a16="http://schemas.microsoft.com/office/drawing/2014/main" id="{29368C9E-A16B-0B76-151B-0A38FC00E5C5}"/>
               </a:ext>
             </a:extLst>
           </p:cNvPr>
@@ -2411,7 +2411,7 @@
           <p:cNvPr id="7" name="灯片编号占位符 6">
             <a:extLst>
               <a:ext uri="{FF2B5EF4-FFF2-40B4-BE49-F238E27FC236}">
-                <a16:creationId xmlns:a16="http://schemas.microsoft.com/office/drawing/2014/main" id="{E68771C5-603C-5C5D-A5F2-CBB9EC92626C}"/>
+                <a16:creationId xmlns:a16="http://schemas.microsoft.com/office/drawing/2014/main" id="{507EFF57-436E-2AED-3D69-EA42DAA266EC}"/>
               </a:ext>
             </a:extLst>
           </p:cNvPr>
@@ -2427,7 +2427,7 @@
           <a:bodyPr/>
           <a:lstStyle/>
           <a:p>
-            <a:fld id="{DCA26470-E71E-4F92-86AB-E68CF02ED688}" type="slidenum">
+            <a:fld id="{5E380DFC-8893-4333-8636-956214A3AFF7}" type="slidenum">
               <a:rPr lang="zh-CN" altLang="en-US" smtClean="0"/>
               <a:t>‹#›</a:t>
             </a:fld>
@@ -2438,7 +2438,7 @@
     </p:spTree>
     <p:extLst>
       <p:ext uri="{BB962C8B-B14F-4D97-AF65-F5344CB8AC3E}">
-        <p14:creationId xmlns:p14="http://schemas.microsoft.com/office/powerpoint/2010/main" val="4084475010"/>
+        <p14:creationId xmlns:p14="http://schemas.microsoft.com/office/powerpoint/2010/main" val="1077210390"/>
       </p:ext>
     </p:extLst>
   </p:cSld>
@@ -2470,7 +2470,7 @@
           <p:cNvPr id="2" name="标题 1">
             <a:extLst>
               <a:ext uri="{FF2B5EF4-FFF2-40B4-BE49-F238E27FC236}">
-                <a16:creationId xmlns:a16="http://schemas.microsoft.com/office/drawing/2014/main" id="{A6549A2A-A9D9-40B8-11B0-E3B630AACAD4}"/>
+                <a16:creationId xmlns:a16="http://schemas.microsoft.com/office/drawing/2014/main" id="{EC9AE8B0-46B5-7CF2-B6B0-EC0D73D50AA0}"/>
               </a:ext>
             </a:extLst>
           </p:cNvPr>
@@ -2507,7 +2507,7 @@
           <p:cNvPr id="3" name="图片占位符 2">
             <a:extLst>
               <a:ext uri="{FF2B5EF4-FFF2-40B4-BE49-F238E27FC236}">
-                <a16:creationId xmlns:a16="http://schemas.microsoft.com/office/drawing/2014/main" id="{14E81FE1-7E0A-C9A7-E718-4717959079A8}"/>
+                <a16:creationId xmlns:a16="http://schemas.microsoft.com/office/drawing/2014/main" id="{C6781CF7-7720-802A-DF0C-3CB2306D5056}"/>
               </a:ext>
             </a:extLst>
           </p:cNvPr>
@@ -2574,7 +2574,7 @@
           <p:cNvPr id="4" name="文本占位符 3">
             <a:extLst>
               <a:ext uri="{FF2B5EF4-FFF2-40B4-BE49-F238E27FC236}">
-                <a16:creationId xmlns:a16="http://schemas.microsoft.com/office/drawing/2014/main" id="{B0B3C50C-7501-1945-28DC-8313FDADC4F0}"/>
+                <a16:creationId xmlns:a16="http://schemas.microsoft.com/office/drawing/2014/main" id="{1DE1BCD5-811D-C8C1-821B-746C64CB961D}"/>
               </a:ext>
             </a:extLst>
           </p:cNvPr>
@@ -2645,7 +2645,7 @@
           <p:cNvPr id="5" name="日期占位符 4">
             <a:extLst>
               <a:ext uri="{FF2B5EF4-FFF2-40B4-BE49-F238E27FC236}">
-                <a16:creationId xmlns:a16="http://schemas.microsoft.com/office/drawing/2014/main" id="{30AF4091-7DC0-FBAB-D767-AC40707659F7}"/>
+                <a16:creationId xmlns:a16="http://schemas.microsoft.com/office/drawing/2014/main" id="{842DB344-12F2-18A1-C55C-3AA9A672A77A}"/>
               </a:ext>
             </a:extLst>
           </p:cNvPr>
@@ -2661,7 +2661,7 @@
           <a:bodyPr/>
           <a:lstStyle/>
           <a:p>
-            <a:fld id="{40B11208-B599-44D3-9F5C-B793E60D9BD8}" type="datetimeFigureOut">
+            <a:fld id="{EDCA2B18-545A-4566-B6DB-8EDD2D01E24B}" type="datetimeFigureOut">
               <a:rPr lang="zh-CN" altLang="en-US" smtClean="0"/>
               <a:t>2024/3/10</a:t>
             </a:fld>
@@ -2674,7 +2674,7 @@
           <p:cNvPr id="6" name="页脚占位符 5">
             <a:extLst>
               <a:ext uri="{FF2B5EF4-FFF2-40B4-BE49-F238E27FC236}">
-                <a16:creationId xmlns:a16="http://schemas.microsoft.com/office/drawing/2014/main" id="{F487F81A-B48B-BAA0-6FCE-F5A530BD1820}"/>
+                <a16:creationId xmlns:a16="http://schemas.microsoft.com/office/drawing/2014/main" id="{7BC0A402-0552-BBD3-7697-526C58DAA395}"/>
               </a:ext>
             </a:extLst>
           </p:cNvPr>
@@ -2699,7 +2699,7 @@
           <p:cNvPr id="7" name="灯片编号占位符 6">
             <a:extLst>
               <a:ext uri="{FF2B5EF4-FFF2-40B4-BE49-F238E27FC236}">
-                <a16:creationId xmlns:a16="http://schemas.microsoft.com/office/drawing/2014/main" id="{160860B1-145E-C2AD-1475-F81248F40DDD}"/>
+                <a16:creationId xmlns:a16="http://schemas.microsoft.com/office/drawing/2014/main" id="{C91544EA-3B6B-BA0C-3FBB-1C7DB20CD24F}"/>
               </a:ext>
             </a:extLst>
           </p:cNvPr>
@@ -2715,7 +2715,7 @@
           <a:bodyPr/>
           <a:lstStyle/>
           <a:p>
-            <a:fld id="{DCA26470-E71E-4F92-86AB-E68CF02ED688}" type="slidenum">
+            <a:fld id="{5E380DFC-8893-4333-8636-956214A3AFF7}" type="slidenum">
               <a:rPr lang="zh-CN" altLang="en-US" smtClean="0"/>
               <a:t>‹#›</a:t>
             </a:fld>
@@ -2726,7 +2726,7 @@
     </p:spTree>
     <p:extLst>
       <p:ext uri="{BB962C8B-B14F-4D97-AF65-F5344CB8AC3E}">
-        <p14:creationId xmlns:p14="http://schemas.microsoft.com/office/powerpoint/2010/main" val="2071746705"/>
+        <p14:creationId xmlns:p14="http://schemas.microsoft.com/office/powerpoint/2010/main" val="4057997754"/>
       </p:ext>
     </p:extLst>
   </p:cSld>
@@ -2763,7 +2763,7 @@
           <p:cNvPr id="2" name="标题占位符 1">
             <a:extLst>
               <a:ext uri="{FF2B5EF4-FFF2-40B4-BE49-F238E27FC236}">
-                <a16:creationId xmlns:a16="http://schemas.microsoft.com/office/drawing/2014/main" id="{45B96DCA-27DE-D1C4-4581-9FA7E226C2DB}"/>
+                <a16:creationId xmlns:a16="http://schemas.microsoft.com/office/drawing/2014/main" id="{BB9716FC-E3BA-81C7-E6E6-06A76AF0BC26}"/>
               </a:ext>
             </a:extLst>
           </p:cNvPr>
@@ -2801,7 +2801,7 @@
           <p:cNvPr id="3" name="文本占位符 2">
             <a:extLst>
               <a:ext uri="{FF2B5EF4-FFF2-40B4-BE49-F238E27FC236}">
-                <a16:creationId xmlns:a16="http://schemas.microsoft.com/office/drawing/2014/main" id="{C1665572-8254-9C8A-9A75-8248DFD9523B}"/>
+                <a16:creationId xmlns:a16="http://schemas.microsoft.com/office/drawing/2014/main" id="{2E84B313-3D06-F6EF-C84D-9616D97AA1DB}"/>
               </a:ext>
             </a:extLst>
           </p:cNvPr>
@@ -2868,7 +2868,7 @@
           <p:cNvPr id="4" name="日期占位符 3">
             <a:extLst>
               <a:ext uri="{FF2B5EF4-FFF2-40B4-BE49-F238E27FC236}">
-                <a16:creationId xmlns:a16="http://schemas.microsoft.com/office/drawing/2014/main" id="{8D18669E-DE6D-47A1-40C5-A29E1CE52266}"/>
+                <a16:creationId xmlns:a16="http://schemas.microsoft.com/office/drawing/2014/main" id="{0BC4E689-2E63-8019-A209-55D7487BDECD}"/>
               </a:ext>
             </a:extLst>
           </p:cNvPr>
@@ -2902,7 +2902,7 @@
             </a:lvl1pPr>
           </a:lstStyle>
           <a:p>
-            <a:fld id="{40B11208-B599-44D3-9F5C-B793E60D9BD8}" type="datetimeFigureOut">
+            <a:fld id="{EDCA2B18-545A-4566-B6DB-8EDD2D01E24B}" type="datetimeFigureOut">
               <a:rPr lang="zh-CN" altLang="en-US" smtClean="0"/>
               <a:t>2024/3/10</a:t>
             </a:fld>
@@ -2915,7 +2915,7 @@
           <p:cNvPr id="5" name="页脚占位符 4">
             <a:extLst>
               <a:ext uri="{FF2B5EF4-FFF2-40B4-BE49-F238E27FC236}">
-                <a16:creationId xmlns:a16="http://schemas.microsoft.com/office/drawing/2014/main" id="{DADB2CE7-1C47-23D8-B9FF-23573A2B5D6A}"/>
+                <a16:creationId xmlns:a16="http://schemas.microsoft.com/office/drawing/2014/main" id="{C1460708-D125-52F7-1EFA-445AAC62F509}"/>
               </a:ext>
             </a:extLst>
           </p:cNvPr>
@@ -2958,7 +2958,7 @@
           <p:cNvPr id="6" name="灯片编号占位符 5">
             <a:extLst>
               <a:ext uri="{FF2B5EF4-FFF2-40B4-BE49-F238E27FC236}">
-                <a16:creationId xmlns:a16="http://schemas.microsoft.com/office/drawing/2014/main" id="{D1D69DE3-D5E0-523D-8CB3-A02C0214D14D}"/>
+                <a16:creationId xmlns:a16="http://schemas.microsoft.com/office/drawing/2014/main" id="{6D626932-F91A-CC1A-F3F3-271B8145BF8C}"/>
               </a:ext>
             </a:extLst>
           </p:cNvPr>
@@ -2992,7 +2992,7 @@
             </a:lvl1pPr>
           </a:lstStyle>
           <a:p>
-            <a:fld id="{DCA26470-E71E-4F92-86AB-E68CF02ED688}" type="slidenum">
+            <a:fld id="{5E380DFC-8893-4333-8636-956214A3AFF7}" type="slidenum">
               <a:rPr lang="zh-CN" altLang="en-US" smtClean="0"/>
               <a:t>‹#›</a:t>
             </a:fld>
@@ -3003,7 +3003,7 @@
     </p:spTree>
     <p:extLst>
       <p:ext uri="{BB962C8B-B14F-4D97-AF65-F5344CB8AC3E}">
-        <p14:creationId xmlns:p14="http://schemas.microsoft.com/office/powerpoint/2010/main" val="2117025258"/>
+        <p14:creationId xmlns:p14="http://schemas.microsoft.com/office/powerpoint/2010/main" val="4076099208"/>
       </p:ext>
     </p:extLst>
   </p:cSld>
